--- a/docs/diagrams/UiComponentClassDiagram.pptx
+++ b/docs/diagrams/UiComponentClassDiagram.pptx
@@ -208,7 +208,7 @@
           <a:p>
             <a:fld id="{F5CC4B3F-88C1-4FFA-B1B6-F41C21DC6924}" type="datetimeFigureOut">
               <a:rPr lang="en-US" smtClean="0"/>
-              <a:t>1/7/2017</a:t>
+              <a:t>10/24/2018</a:t>
             </a:fld>
             <a:endParaRPr lang="en-US"/>
           </a:p>
@@ -654,7 +654,7 @@
           <a:p>
             <a:fld id="{78C97017-6FC3-485B-9764-EAC9E56C1D49}" type="datetimeFigureOut">
               <a:rPr lang="en-US" smtClean="0"/>
-              <a:t>1/7/2017</a:t>
+              <a:t>10/24/2018</a:t>
             </a:fld>
             <a:endParaRPr lang="en-US"/>
           </a:p>
@@ -822,7 +822,7 @@
           <a:p>
             <a:fld id="{78C97017-6FC3-485B-9764-EAC9E56C1D49}" type="datetimeFigureOut">
               <a:rPr lang="en-US" smtClean="0"/>
-              <a:t>1/7/2017</a:t>
+              <a:t>10/24/2018</a:t>
             </a:fld>
             <a:endParaRPr lang="en-US"/>
           </a:p>
@@ -1000,7 +1000,7 @@
           <a:p>
             <a:fld id="{78C97017-6FC3-485B-9764-EAC9E56C1D49}" type="datetimeFigureOut">
               <a:rPr lang="en-US" smtClean="0"/>
-              <a:t>1/7/2017</a:t>
+              <a:t>10/24/2018</a:t>
             </a:fld>
             <a:endParaRPr lang="en-US"/>
           </a:p>
@@ -1168,7 +1168,7 @@
           <a:p>
             <a:fld id="{78C97017-6FC3-485B-9764-EAC9E56C1D49}" type="datetimeFigureOut">
               <a:rPr lang="en-US" smtClean="0"/>
-              <a:t>1/7/2017</a:t>
+              <a:t>10/24/2018</a:t>
             </a:fld>
             <a:endParaRPr lang="en-US"/>
           </a:p>
@@ -1413,7 +1413,7 @@
           <a:p>
             <a:fld id="{78C97017-6FC3-485B-9764-EAC9E56C1D49}" type="datetimeFigureOut">
               <a:rPr lang="en-US" smtClean="0"/>
-              <a:t>1/7/2017</a:t>
+              <a:t>10/24/2018</a:t>
             </a:fld>
             <a:endParaRPr lang="en-US"/>
           </a:p>
@@ -1698,7 +1698,7 @@
           <a:p>
             <a:fld id="{78C97017-6FC3-485B-9764-EAC9E56C1D49}" type="datetimeFigureOut">
               <a:rPr lang="en-US" smtClean="0"/>
-              <a:t>1/7/2017</a:t>
+              <a:t>10/24/2018</a:t>
             </a:fld>
             <a:endParaRPr lang="en-US"/>
           </a:p>
@@ -2117,7 +2117,7 @@
           <a:p>
             <a:fld id="{78C97017-6FC3-485B-9764-EAC9E56C1D49}" type="datetimeFigureOut">
               <a:rPr lang="en-US" smtClean="0"/>
-              <a:t>1/7/2017</a:t>
+              <a:t>10/24/2018</a:t>
             </a:fld>
             <a:endParaRPr lang="en-US"/>
           </a:p>
@@ -2234,7 +2234,7 @@
           <a:p>
             <a:fld id="{78C97017-6FC3-485B-9764-EAC9E56C1D49}" type="datetimeFigureOut">
               <a:rPr lang="en-US" smtClean="0"/>
-              <a:t>1/7/2017</a:t>
+              <a:t>10/24/2018</a:t>
             </a:fld>
             <a:endParaRPr lang="en-US"/>
           </a:p>
@@ -2329,7 +2329,7 @@
           <a:p>
             <a:fld id="{78C97017-6FC3-485B-9764-EAC9E56C1D49}" type="datetimeFigureOut">
               <a:rPr lang="en-US" smtClean="0"/>
-              <a:t>1/7/2017</a:t>
+              <a:t>10/24/2018</a:t>
             </a:fld>
             <a:endParaRPr lang="en-US"/>
           </a:p>
@@ -2604,7 +2604,7 @@
           <a:p>
             <a:fld id="{78C97017-6FC3-485B-9764-EAC9E56C1D49}" type="datetimeFigureOut">
               <a:rPr lang="en-US" smtClean="0"/>
-              <a:t>1/7/2017</a:t>
+              <a:t>10/24/2018</a:t>
             </a:fld>
             <a:endParaRPr lang="en-US"/>
           </a:p>
@@ -2856,7 +2856,7 @@
           <a:p>
             <a:fld id="{78C97017-6FC3-485B-9764-EAC9E56C1D49}" type="datetimeFigureOut">
               <a:rPr lang="en-US" smtClean="0"/>
-              <a:t>1/7/2017</a:t>
+              <a:t>10/24/2018</a:t>
             </a:fld>
             <a:endParaRPr lang="en-US"/>
           </a:p>
@@ -3067,7 +3067,7 @@
           <a:p>
             <a:fld id="{78C97017-6FC3-485B-9764-EAC9E56C1D49}" type="datetimeFigureOut">
               <a:rPr lang="en-US" smtClean="0"/>
-              <a:t>1/7/2017</a:t>
+              <a:t>10/24/2018</a:t>
             </a:fld>
             <a:endParaRPr lang="en-US"/>
           </a:p>
@@ -3573,7 +3573,7 @@
         <p:spPr>
           <a:xfrm>
             <a:off x="2592528" y="2971800"/>
-            <a:ext cx="1093635" cy="236841"/>
+            <a:ext cx="1190982" cy="236841"/>
           </a:xfrm>
           <a:prstGeom prst="rect">
             <a:avLst/>
@@ -3885,8 +3885,8 @@
         </p:nvSpPr>
         <p:spPr>
           <a:xfrm>
-            <a:off x="2592528" y="3649359"/>
-            <a:ext cx="1093635" cy="236841"/>
+            <a:off x="2595525" y="3571408"/>
+            <a:ext cx="1192712" cy="236841"/>
           </a:xfrm>
           <a:prstGeom prst="rect">
             <a:avLst/>
@@ -3925,7 +3925,7 @@
                   </a:schemeClr>
                 </a:solidFill>
               </a:rPr>
-              <a:t>BrowserPanel</a:t>
+              <a:t>MoreDetailsPanel</a:t>
             </a:r>
             <a:endParaRPr lang="en-SG" sz="1050" b="1" dirty="0">
               <a:solidFill>
@@ -3945,8 +3945,8 @@
         </p:nvSpPr>
         <p:spPr>
           <a:xfrm>
-            <a:off x="2592527" y="4563759"/>
-            <a:ext cx="1093635" cy="236841"/>
+            <a:off x="2599564" y="4371610"/>
+            <a:ext cx="1190982" cy="236841"/>
           </a:xfrm>
           <a:prstGeom prst="rect">
             <a:avLst/>
@@ -4005,8 +4005,8 @@
         </p:nvSpPr>
         <p:spPr>
           <a:xfrm>
-            <a:off x="2592526" y="3991960"/>
-            <a:ext cx="1093635" cy="236841"/>
+            <a:off x="2592525" y="3863571"/>
+            <a:ext cx="1190983" cy="236841"/>
           </a:xfrm>
           <a:prstGeom prst="rect">
             <a:avLst/>
@@ -4065,7 +4065,7 @@
         </p:nvSpPr>
         <p:spPr>
           <a:xfrm>
-            <a:off x="3839323" y="4228801"/>
+            <a:off x="3912091" y="4104133"/>
             <a:ext cx="1040906" cy="236841"/>
           </a:xfrm>
           <a:prstGeom prst="rect">
@@ -4125,8 +4125,8 @@
         </p:nvSpPr>
         <p:spPr>
           <a:xfrm>
-            <a:off x="2592528" y="4966000"/>
-            <a:ext cx="1093635" cy="236841"/>
+            <a:off x="2595825" y="4681709"/>
+            <a:ext cx="1190981" cy="236841"/>
           </a:xfrm>
           <a:prstGeom prst="rect">
             <a:avLst/>
@@ -4229,6 +4229,7 @@
         <p:nvCxnSpPr>
           <p:cNvPr id="40" name="Elbow Connector 63"/>
           <p:cNvCxnSpPr>
+            <a:cxnSpLocks/>
             <a:stCxn id="39" idx="2"/>
             <a:endCxn id="3" idx="1"/>
           </p:cNvCxnSpPr>
@@ -4274,8 +4275,8 @@
         </p:nvSpPr>
         <p:spPr>
           <a:xfrm>
-            <a:off x="2590799" y="3304308"/>
-            <a:ext cx="1095361" cy="236841"/>
+            <a:off x="2597834" y="3273820"/>
+            <a:ext cx="1192712" cy="236841"/>
           </a:xfrm>
           <a:prstGeom prst="rect">
             <a:avLst/>
@@ -4330,6 +4331,7 @@
         <p:nvCxnSpPr>
           <p:cNvPr id="44" name="Elbow Connector 63"/>
           <p:cNvCxnSpPr>
+            <a:cxnSpLocks/>
             <a:stCxn id="39" idx="2"/>
             <a:endCxn id="34" idx="1"/>
           </p:cNvCxnSpPr>
@@ -4337,8 +4339,8 @@
         </p:nvCxnSpPr>
         <p:spPr>
           <a:xfrm rot="16200000" flipH="1">
-            <a:off x="2054450" y="3229701"/>
-            <a:ext cx="899755" cy="176402"/>
+            <a:off x="2094923" y="3189227"/>
+            <a:ext cx="821804" cy="179399"/>
           </a:xfrm>
           <a:prstGeom prst="bentConnector2">
             <a:avLst/>
@@ -4371,6 +4373,7 @@
         <p:nvCxnSpPr>
           <p:cNvPr id="47" name="Elbow Connector 63"/>
           <p:cNvCxnSpPr>
+            <a:cxnSpLocks/>
             <a:stCxn id="39" idx="2"/>
             <a:endCxn id="36" idx="1"/>
           </p:cNvCxnSpPr>
@@ -4378,8 +4381,8 @@
         </p:nvCxnSpPr>
         <p:spPr>
           <a:xfrm rot="16200000" flipH="1">
-            <a:off x="1883148" y="3401003"/>
-            <a:ext cx="1242356" cy="176400"/>
+            <a:off x="1947342" y="3336808"/>
+            <a:ext cx="1113967" cy="176399"/>
           </a:xfrm>
           <a:prstGeom prst="bentConnector2">
             <a:avLst/>
@@ -4412,6 +4415,7 @@
         <p:nvCxnSpPr>
           <p:cNvPr id="50" name="Elbow Connector 63"/>
           <p:cNvCxnSpPr>
+            <a:cxnSpLocks/>
             <a:stCxn id="39" idx="2"/>
             <a:endCxn id="35" idx="1"/>
           </p:cNvCxnSpPr>
@@ -4419,8 +4423,8 @@
         </p:nvCxnSpPr>
         <p:spPr>
           <a:xfrm rot="16200000" flipH="1">
-            <a:off x="1597249" y="3686901"/>
-            <a:ext cx="1814155" cy="176401"/>
+            <a:off x="1696842" y="3587309"/>
+            <a:ext cx="1622006" cy="183438"/>
           </a:xfrm>
           <a:prstGeom prst="bentConnector2">
             <a:avLst/>
@@ -4453,14 +4457,15 @@
         <p:nvCxnSpPr>
           <p:cNvPr id="53" name="Elbow Connector 63"/>
           <p:cNvCxnSpPr>
+            <a:cxnSpLocks/>
             <a:endCxn id="38" idx="1"/>
           </p:cNvCxnSpPr>
           <p:nvPr/>
         </p:nvCxnSpPr>
         <p:spPr>
           <a:xfrm rot="16200000" flipH="1">
-            <a:off x="1184119" y="3676012"/>
-            <a:ext cx="2396440" cy="420377"/>
+            <a:off x="1337490" y="3541795"/>
+            <a:ext cx="2093678" cy="422991"/>
           </a:xfrm>
           <a:prstGeom prst="bentConnector2">
             <a:avLst/>
@@ -4572,6 +4577,7 @@
         <p:nvCxnSpPr>
           <p:cNvPr id="74" name="Elbow Connector 63"/>
           <p:cNvCxnSpPr>
+            <a:cxnSpLocks/>
             <a:stCxn id="43" idx="3"/>
             <a:endCxn id="16" idx="3"/>
           </p:cNvCxnSpPr>
@@ -4579,8 +4585,8 @@
         </p:nvCxnSpPr>
         <p:spPr>
           <a:xfrm flipV="1">
-            <a:off x="3686160" y="2286000"/>
-            <a:ext cx="1843809" cy="1136729"/>
+            <a:off x="3790546" y="2286000"/>
+            <a:ext cx="1739423" cy="1106241"/>
           </a:xfrm>
           <a:prstGeom prst="bentConnector2">
             <a:avLst/>
@@ -4620,8 +4626,8 @@
         </p:nvCxnSpPr>
         <p:spPr>
           <a:xfrm rot="5400000">
-            <a:off x="4174488" y="2991741"/>
-            <a:ext cx="2061222" cy="649740"/>
+            <a:off x="4273206" y="2965791"/>
+            <a:ext cx="1936554" cy="576972"/>
           </a:xfrm>
           <a:prstGeom prst="bentConnector2">
             <a:avLst/>
@@ -4654,6 +4660,7 @@
         <p:nvCxnSpPr>
           <p:cNvPr id="82" name="Elbow Connector 63"/>
           <p:cNvCxnSpPr>
+            <a:cxnSpLocks/>
             <a:stCxn id="16" idx="3"/>
             <a:endCxn id="34" idx="3"/>
           </p:cNvCxnSpPr>
@@ -4661,8 +4668,8 @@
         </p:nvCxnSpPr>
         <p:spPr>
           <a:xfrm rot="5400000">
-            <a:off x="3867176" y="2104987"/>
-            <a:ext cx="1481780" cy="1843806"/>
+            <a:off x="3957189" y="2117048"/>
+            <a:ext cx="1403829" cy="1741732"/>
           </a:xfrm>
           <a:prstGeom prst="bentConnector2">
             <a:avLst/>
@@ -4736,15 +4743,15 @@
         <p:nvCxnSpPr>
           <p:cNvPr id="91" name="Elbow Connector 63"/>
           <p:cNvCxnSpPr>
-            <a:stCxn id="16" idx="3"/>
+            <a:cxnSpLocks/>
             <a:endCxn id="35" idx="3"/>
           </p:cNvCxnSpPr>
           <p:nvPr/>
         </p:nvCxnSpPr>
         <p:spPr>
           <a:xfrm rot="5400000">
-            <a:off x="3409976" y="2562187"/>
-            <a:ext cx="2396180" cy="1843807"/>
+            <a:off x="3564157" y="2524218"/>
+            <a:ext cx="2192203" cy="1739423"/>
           </a:xfrm>
           <a:prstGeom prst="bentConnector2">
             <a:avLst/>
@@ -4777,6 +4784,7 @@
         <p:nvCxnSpPr>
           <p:cNvPr id="94" name="Elbow Connector 63"/>
           <p:cNvCxnSpPr>
+            <a:cxnSpLocks/>
             <a:stCxn id="16" idx="3"/>
             <a:endCxn id="38" idx="3"/>
           </p:cNvCxnSpPr>
@@ -4784,8 +4792,8 @@
         </p:nvCxnSpPr>
         <p:spPr>
           <a:xfrm rot="5400000">
-            <a:off x="3208856" y="2763307"/>
-            <a:ext cx="2798421" cy="1843806"/>
+            <a:off x="3401323" y="2671484"/>
+            <a:ext cx="2514130" cy="1743163"/>
           </a:xfrm>
           <a:prstGeom prst="bentConnector2">
             <a:avLst/>
@@ -5079,6 +5087,7 @@
         <p:nvCxnSpPr>
           <p:cNvPr id="131" name="Elbow Connector 130"/>
           <p:cNvCxnSpPr>
+            <a:cxnSpLocks/>
             <a:stCxn id="39" idx="2"/>
             <a:endCxn id="43" idx="1"/>
           </p:cNvCxnSpPr>
@@ -5086,8 +5095,8 @@
         </p:nvCxnSpPr>
         <p:spPr>
           <a:xfrm rot="16200000" flipH="1">
-            <a:off x="2226110" y="3058040"/>
-            <a:ext cx="554704" cy="174673"/>
+            <a:off x="2244872" y="3039279"/>
+            <a:ext cx="524216" cy="181708"/>
           </a:xfrm>
           <a:prstGeom prst="bentConnector2">
             <a:avLst/>
@@ -5120,6 +5129,7 @@
         <p:nvCxnSpPr>
           <p:cNvPr id="132" name="Elbow Connector 63"/>
           <p:cNvCxnSpPr>
+            <a:cxnSpLocks/>
             <a:stCxn id="16" idx="3"/>
             <a:endCxn id="3" idx="3"/>
           </p:cNvCxnSpPr>
@@ -5127,8 +5137,8 @@
         </p:nvCxnSpPr>
         <p:spPr>
           <a:xfrm rot="5400000">
-            <a:off x="4205956" y="1766207"/>
-            <a:ext cx="804221" cy="1843806"/>
+            <a:off x="4254630" y="1814881"/>
+            <a:ext cx="804221" cy="1746459"/>
           </a:xfrm>
           <a:prstGeom prst="bentConnector2">
             <a:avLst/>
@@ -5161,6 +5171,7 @@
         <p:nvCxnSpPr>
           <p:cNvPr id="137" name="Elbow Connector 136"/>
           <p:cNvCxnSpPr>
+            <a:cxnSpLocks/>
             <a:stCxn id="36" idx="2"/>
             <a:endCxn id="37" idx="1"/>
           </p:cNvCxnSpPr>
@@ -5168,8 +5179,8 @@
         </p:nvCxnSpPr>
         <p:spPr>
           <a:xfrm rot="16200000" flipH="1">
-            <a:off x="3430123" y="3938021"/>
-            <a:ext cx="118421" cy="699979"/>
+            <a:off x="3488983" y="3799446"/>
+            <a:ext cx="122142" cy="724074"/>
           </a:xfrm>
           <a:prstGeom prst="bentConnector2">
             <a:avLst/>
@@ -5202,6 +5213,7 @@
         <p:nvCxnSpPr>
           <p:cNvPr id="140" name="Elbow Connector 63"/>
           <p:cNvCxnSpPr>
+            <a:cxnSpLocks/>
             <a:stCxn id="16" idx="3"/>
             <a:endCxn id="36" idx="3"/>
           </p:cNvCxnSpPr>
@@ -5209,8 +5221,8 @@
         </p:nvCxnSpPr>
         <p:spPr>
           <a:xfrm rot="5400000">
-            <a:off x="3695875" y="2276286"/>
-            <a:ext cx="1824381" cy="1843808"/>
+            <a:off x="3808743" y="2260766"/>
+            <a:ext cx="1695992" cy="1746461"/>
           </a:xfrm>
           <a:prstGeom prst="bentConnector2">
             <a:avLst/>
@@ -5300,8 +5312,8 @@
         </p:nvSpPr>
         <p:spPr>
           <a:xfrm>
-            <a:off x="3687515" y="2828802"/>
-            <a:ext cx="3048000" cy="203200"/>
+            <a:off x="3783509" y="2828802"/>
+            <a:ext cx="2952005" cy="199377"/>
           </a:xfrm>
           <a:custGeom>
             <a:avLst/>
@@ -5435,8 +5447,8 @@
         </p:nvSpPr>
         <p:spPr>
           <a:xfrm flipV="1">
-            <a:off x="4114799" y="4472708"/>
-            <a:ext cx="2642195" cy="101600"/>
+            <a:off x="4419600" y="4352801"/>
+            <a:ext cx="2337394" cy="193453"/>
           </a:xfrm>
           <a:custGeom>
             <a:avLst/>
@@ -5509,6 +5521,262 @@
           </a:p>
         </p:txBody>
       </p:sp>
+      <p:cxnSp>
+        <p:nvCxnSpPr>
+          <p:cNvPr id="26" name="Connector: Elbow 25">
+            <a:extLst>
+              <a:ext uri="{FF2B5EF4-FFF2-40B4-BE49-F238E27FC236}">
+                <a16:creationId xmlns:a16="http://schemas.microsoft.com/office/drawing/2014/main" id="{AE8E4206-376F-4704-9317-C366ED64A2C8}"/>
+              </a:ext>
+            </a:extLst>
+          </p:cNvPr>
+          <p:cNvCxnSpPr>
+            <a:cxnSpLocks/>
+          </p:cNvCxnSpPr>
+          <p:nvPr/>
+        </p:nvCxnSpPr>
+        <p:spPr>
+          <a:xfrm>
+            <a:off x="3804989" y="3771716"/>
+            <a:ext cx="2952005" cy="587800"/>
+          </a:xfrm>
+          <a:prstGeom prst="bentConnector3">
+            <a:avLst>
+              <a:gd name="adj1" fmla="val 50000"/>
+            </a:avLst>
+          </a:prstGeom>
+          <a:ln w="19050">
+            <a:solidFill>
+              <a:schemeClr val="accent3"/>
+            </a:solidFill>
+            <a:prstDash val="sysDot"/>
+            <a:tailEnd type="arrow"/>
+          </a:ln>
+        </p:spPr>
+        <p:style>
+          <a:lnRef idx="1">
+            <a:schemeClr val="accent1"/>
+          </a:lnRef>
+          <a:fillRef idx="0">
+            <a:schemeClr val="accent1"/>
+          </a:fillRef>
+          <a:effectRef idx="0">
+            <a:schemeClr val="accent1"/>
+          </a:effectRef>
+          <a:fontRef idx="minor">
+            <a:schemeClr val="tx1"/>
+          </a:fontRef>
+        </p:style>
+      </p:cxnSp>
+      <p:sp>
+        <p:nvSpPr>
+          <p:cNvPr id="76" name="Rectangle 11">
+            <a:extLst>
+              <a:ext uri="{FF2B5EF4-FFF2-40B4-BE49-F238E27FC236}">
+                <a16:creationId xmlns:a16="http://schemas.microsoft.com/office/drawing/2014/main" id="{1A8130A7-B7B6-4D69-9342-9DB283F65968}"/>
+              </a:ext>
+            </a:extLst>
+          </p:cNvPr>
+          <p:cNvSpPr/>
+          <p:nvPr/>
+        </p:nvSpPr>
+        <p:spPr>
+          <a:xfrm>
+            <a:off x="2590792" y="5001288"/>
+            <a:ext cx="1321299" cy="236841"/>
+          </a:xfrm>
+          <a:prstGeom prst="rect">
+            <a:avLst/>
+          </a:prstGeom>
+          <a:ln w="19050">
+            <a:solidFill>
+              <a:schemeClr val="accent3"/>
+            </a:solidFill>
+          </a:ln>
+          <a:effectLst/>
+        </p:spPr>
+        <p:style>
+          <a:lnRef idx="1">
+            <a:schemeClr val="accent3"/>
+          </a:lnRef>
+          <a:fillRef idx="2">
+            <a:schemeClr val="accent3"/>
+          </a:fillRef>
+          <a:effectRef idx="1">
+            <a:schemeClr val="accent3"/>
+          </a:effectRef>
+          <a:fontRef idx="minor">
+            <a:schemeClr val="dk1"/>
+          </a:fontRef>
+        </p:style>
+        <p:txBody>
+          <a:bodyPr rtlCol="0" anchor="ctr"/>
+          <a:lstStyle/>
+          <a:p>
+            <a:pPr algn="ctr"/>
+            <a:r>
+              <a:rPr lang="en-US" sz="1050" b="1" dirty="0" err="1">
+                <a:solidFill>
+                  <a:schemeClr val="accent3">
+                    <a:lumMod val="75000"/>
+                  </a:schemeClr>
+                </a:solidFill>
+              </a:rPr>
+              <a:t>AddStudentWindow</a:t>
+            </a:r>
+            <a:endParaRPr lang="en-SG" sz="1050" b="1" dirty="0">
+              <a:solidFill>
+                <a:schemeClr val="accent3">
+                  <a:lumMod val="75000"/>
+                </a:schemeClr>
+              </a:solidFill>
+            </a:endParaRPr>
+          </a:p>
+        </p:txBody>
+      </p:sp>
+      <p:cxnSp>
+        <p:nvCxnSpPr>
+          <p:cNvPr id="78" name="Elbow Connector 63">
+            <a:extLst>
+              <a:ext uri="{FF2B5EF4-FFF2-40B4-BE49-F238E27FC236}">
+                <a16:creationId xmlns:a16="http://schemas.microsoft.com/office/drawing/2014/main" id="{11D82520-5308-4A27-BD9B-29A4499053A1}"/>
+              </a:ext>
+            </a:extLst>
+          </p:cNvPr>
+          <p:cNvCxnSpPr>
+            <a:cxnSpLocks/>
+            <a:endCxn id="76" idx="1"/>
+          </p:cNvCxnSpPr>
+          <p:nvPr/>
+        </p:nvCxnSpPr>
+        <p:spPr>
+          <a:xfrm rot="16200000" flipH="1">
+            <a:off x="1165948" y="3694864"/>
+            <a:ext cx="2431727" cy="417962"/>
+          </a:xfrm>
+          <a:prstGeom prst="bentConnector2">
+            <a:avLst/>
+          </a:prstGeom>
+          <a:ln w="19050">
+            <a:solidFill>
+              <a:schemeClr val="accent3"/>
+            </a:solidFill>
+            <a:headEnd type="none" w="med" len="med"/>
+            <a:tailEnd type="arrow" w="med" len="med"/>
+          </a:ln>
+          <a:effectLst/>
+        </p:spPr>
+        <p:style>
+          <a:lnRef idx="1">
+            <a:schemeClr val="accent2"/>
+          </a:lnRef>
+          <a:fillRef idx="2">
+            <a:schemeClr val="accent2"/>
+          </a:fillRef>
+          <a:effectRef idx="1">
+            <a:schemeClr val="accent2"/>
+          </a:effectRef>
+          <a:fontRef idx="minor">
+            <a:schemeClr val="dk1"/>
+          </a:fontRef>
+        </p:style>
+      </p:cxnSp>
+      <p:cxnSp>
+        <p:nvCxnSpPr>
+          <p:cNvPr id="96" name="Elbow Connector 63">
+            <a:extLst>
+              <a:ext uri="{FF2B5EF4-FFF2-40B4-BE49-F238E27FC236}">
+                <a16:creationId xmlns:a16="http://schemas.microsoft.com/office/drawing/2014/main" id="{2881B275-5FB4-4A56-BA95-9D8E2D93A7C4}"/>
+              </a:ext>
+            </a:extLst>
+          </p:cNvPr>
+          <p:cNvCxnSpPr>
+            <a:cxnSpLocks/>
+            <a:stCxn id="16" idx="3"/>
+          </p:cNvCxnSpPr>
+          <p:nvPr/>
+        </p:nvCxnSpPr>
+        <p:spPr>
+          <a:xfrm rot="5400000">
+            <a:off x="3296957" y="2895814"/>
+            <a:ext cx="2842827" cy="1623199"/>
+          </a:xfrm>
+          <a:prstGeom prst="bentConnector3">
+            <a:avLst>
+              <a:gd name="adj1" fmla="val 100034"/>
+            </a:avLst>
+          </a:prstGeom>
+          <a:ln w="6350">
+            <a:solidFill>
+              <a:schemeClr val="accent3"/>
+            </a:solidFill>
+            <a:headEnd type="none" w="med" len="med"/>
+            <a:tailEnd type="none" w="med" len="med"/>
+          </a:ln>
+          <a:effectLst/>
+        </p:spPr>
+        <p:style>
+          <a:lnRef idx="1">
+            <a:schemeClr val="accent2"/>
+          </a:lnRef>
+          <a:fillRef idx="2">
+            <a:schemeClr val="accent2"/>
+          </a:fillRef>
+          <a:effectRef idx="1">
+            <a:schemeClr val="accent2"/>
+          </a:effectRef>
+          <a:fontRef idx="minor">
+            <a:schemeClr val="dk1"/>
+          </a:fontRef>
+        </p:style>
+      </p:cxnSp>
+      <p:cxnSp>
+        <p:nvCxnSpPr>
+          <p:cNvPr id="109" name="Connector: Elbow 108">
+            <a:extLst>
+              <a:ext uri="{FF2B5EF4-FFF2-40B4-BE49-F238E27FC236}">
+                <a16:creationId xmlns:a16="http://schemas.microsoft.com/office/drawing/2014/main" id="{4F03A1D0-7F9A-4525-9714-EEF5FE0B3B33}"/>
+              </a:ext>
+            </a:extLst>
+          </p:cNvPr>
+          <p:cNvCxnSpPr>
+            <a:cxnSpLocks/>
+          </p:cNvCxnSpPr>
+          <p:nvPr/>
+        </p:nvCxnSpPr>
+        <p:spPr>
+          <a:xfrm flipV="1">
+            <a:off x="3924156" y="3232547"/>
+            <a:ext cx="2816800" cy="1816556"/>
+          </a:xfrm>
+          <a:prstGeom prst="bentConnector3">
+            <a:avLst>
+              <a:gd name="adj1" fmla="val 69838"/>
+            </a:avLst>
+          </a:prstGeom>
+          <a:ln w="19050">
+            <a:solidFill>
+              <a:schemeClr val="accent3"/>
+            </a:solidFill>
+            <a:prstDash val="solid"/>
+            <a:tailEnd type="arrow"/>
+          </a:ln>
+        </p:spPr>
+        <p:style>
+          <a:lnRef idx="1">
+            <a:schemeClr val="accent1"/>
+          </a:lnRef>
+          <a:fillRef idx="0">
+            <a:schemeClr val="accent1"/>
+          </a:fillRef>
+          <a:effectRef idx="0">
+            <a:schemeClr val="accent1"/>
+          </a:effectRef>
+          <a:fontRef idx="minor">
+            <a:schemeClr val="tx1"/>
+          </a:fontRef>
+        </p:style>
+      </p:cxnSp>
     </p:spTree>
     <p:extLst>
       <p:ext uri="{BB962C8B-B14F-4D97-AF65-F5344CB8AC3E}">

--- a/docs/diagrams/UiComponentClassDiagram.pptx
+++ b/docs/diagrams/UiComponentClassDiagram.pptx
@@ -208,7 +208,7 @@
           <a:p>
             <a:fld id="{F5CC4B3F-88C1-4FFA-B1B6-F41C21DC6924}" type="datetimeFigureOut">
               <a:rPr lang="en-US" smtClean="0"/>
-              <a:t>10/24/2018</a:t>
+              <a:t>10/30/2018</a:t>
             </a:fld>
             <a:endParaRPr lang="en-US"/>
           </a:p>
@@ -654,7 +654,7 @@
           <a:p>
             <a:fld id="{78C97017-6FC3-485B-9764-EAC9E56C1D49}" type="datetimeFigureOut">
               <a:rPr lang="en-US" smtClean="0"/>
-              <a:t>10/24/2018</a:t>
+              <a:t>10/30/2018</a:t>
             </a:fld>
             <a:endParaRPr lang="en-US"/>
           </a:p>
@@ -822,7 +822,7 @@
           <a:p>
             <a:fld id="{78C97017-6FC3-485B-9764-EAC9E56C1D49}" type="datetimeFigureOut">
               <a:rPr lang="en-US" smtClean="0"/>
-              <a:t>10/24/2018</a:t>
+              <a:t>10/30/2018</a:t>
             </a:fld>
             <a:endParaRPr lang="en-US"/>
           </a:p>
@@ -1000,7 +1000,7 @@
           <a:p>
             <a:fld id="{78C97017-6FC3-485B-9764-EAC9E56C1D49}" type="datetimeFigureOut">
               <a:rPr lang="en-US" smtClean="0"/>
-              <a:t>10/24/2018</a:t>
+              <a:t>10/30/2018</a:t>
             </a:fld>
             <a:endParaRPr lang="en-US"/>
           </a:p>
@@ -1168,7 +1168,7 @@
           <a:p>
             <a:fld id="{78C97017-6FC3-485B-9764-EAC9E56C1D49}" type="datetimeFigureOut">
               <a:rPr lang="en-US" smtClean="0"/>
-              <a:t>10/24/2018</a:t>
+              <a:t>10/30/2018</a:t>
             </a:fld>
             <a:endParaRPr lang="en-US"/>
           </a:p>
@@ -1413,7 +1413,7 @@
           <a:p>
             <a:fld id="{78C97017-6FC3-485B-9764-EAC9E56C1D49}" type="datetimeFigureOut">
               <a:rPr lang="en-US" smtClean="0"/>
-              <a:t>10/24/2018</a:t>
+              <a:t>10/30/2018</a:t>
             </a:fld>
             <a:endParaRPr lang="en-US"/>
           </a:p>
@@ -1698,7 +1698,7 @@
           <a:p>
             <a:fld id="{78C97017-6FC3-485B-9764-EAC9E56C1D49}" type="datetimeFigureOut">
               <a:rPr lang="en-US" smtClean="0"/>
-              <a:t>10/24/2018</a:t>
+              <a:t>10/30/2018</a:t>
             </a:fld>
             <a:endParaRPr lang="en-US"/>
           </a:p>
@@ -2117,7 +2117,7 @@
           <a:p>
             <a:fld id="{78C97017-6FC3-485B-9764-EAC9E56C1D49}" type="datetimeFigureOut">
               <a:rPr lang="en-US" smtClean="0"/>
-              <a:t>10/24/2018</a:t>
+              <a:t>10/30/2018</a:t>
             </a:fld>
             <a:endParaRPr lang="en-US"/>
           </a:p>
@@ -2234,7 +2234,7 @@
           <a:p>
             <a:fld id="{78C97017-6FC3-485B-9764-EAC9E56C1D49}" type="datetimeFigureOut">
               <a:rPr lang="en-US" smtClean="0"/>
-              <a:t>10/24/2018</a:t>
+              <a:t>10/30/2018</a:t>
             </a:fld>
             <a:endParaRPr lang="en-US"/>
           </a:p>
@@ -2329,7 +2329,7 @@
           <a:p>
             <a:fld id="{78C97017-6FC3-485B-9764-EAC9E56C1D49}" type="datetimeFigureOut">
               <a:rPr lang="en-US" smtClean="0"/>
-              <a:t>10/24/2018</a:t>
+              <a:t>10/30/2018</a:t>
             </a:fld>
             <a:endParaRPr lang="en-US"/>
           </a:p>
@@ -2604,7 +2604,7 @@
           <a:p>
             <a:fld id="{78C97017-6FC3-485B-9764-EAC9E56C1D49}" type="datetimeFigureOut">
               <a:rPr lang="en-US" smtClean="0"/>
-              <a:t>10/24/2018</a:t>
+              <a:t>10/30/2018</a:t>
             </a:fld>
             <a:endParaRPr lang="en-US"/>
           </a:p>
@@ -2856,7 +2856,7 @@
           <a:p>
             <a:fld id="{78C97017-6FC3-485B-9764-EAC9E56C1D49}" type="datetimeFigureOut">
               <a:rPr lang="en-US" smtClean="0"/>
-              <a:t>10/24/2018</a:t>
+              <a:t>10/30/2018</a:t>
             </a:fld>
             <a:endParaRPr lang="en-US"/>
           </a:p>
@@ -3067,7 +3067,7 @@
           <a:p>
             <a:fld id="{78C97017-6FC3-485B-9764-EAC9E56C1D49}" type="datetimeFigureOut">
               <a:rPr lang="en-US" smtClean="0"/>
-              <a:t>10/24/2018</a:t>
+              <a:t>10/30/2018</a:t>
             </a:fld>
             <a:endParaRPr lang="en-US"/>
           </a:p>
@@ -5388,67 +5388,14 @@
       </p:sp>
       <p:sp>
         <p:nvSpPr>
-          <p:cNvPr id="144" name="Rectangle 143"/>
-          <p:cNvSpPr/>
-          <p:nvPr/>
-        </p:nvSpPr>
-        <p:spPr>
-          <a:xfrm>
-            <a:off x="5431573" y="4488138"/>
-            <a:ext cx="229325" cy="160062"/>
-          </a:xfrm>
-          <a:prstGeom prst="rect">
-            <a:avLst/>
-          </a:prstGeom>
-          <a:solidFill>
-            <a:schemeClr val="accent3">
-              <a:lumMod val="20000"/>
-              <a:lumOff val="80000"/>
-              <a:alpha val="80000"/>
-            </a:schemeClr>
-          </a:solidFill>
-          <a:ln>
-            <a:noFill/>
-          </a:ln>
-          <a:effectLst>
-            <a:softEdge rad="31750"/>
-          </a:effectLst>
-        </p:spPr>
-        <p:style>
-          <a:lnRef idx="2">
-            <a:schemeClr val="accent1">
-              <a:shade val="50000"/>
-            </a:schemeClr>
-          </a:lnRef>
-          <a:fillRef idx="1">
-            <a:schemeClr val="accent1"/>
-          </a:fillRef>
-          <a:effectRef idx="0">
-            <a:schemeClr val="accent1"/>
-          </a:effectRef>
-          <a:fontRef idx="minor">
-            <a:schemeClr val="lt1"/>
-          </a:fontRef>
-        </p:style>
-        <p:txBody>
-          <a:bodyPr rtlCol="0" anchor="ctr"/>
-          <a:lstStyle/>
-          <a:p>
-            <a:pPr algn="ctr"/>
-            <a:endParaRPr lang="en-SG"/>
-          </a:p>
-        </p:txBody>
-      </p:sp>
-      <p:sp>
-        <p:nvSpPr>
           <p:cNvPr id="118" name="Freeform 117"/>
           <p:cNvSpPr/>
           <p:nvPr/>
         </p:nvSpPr>
         <p:spPr>
           <a:xfrm flipV="1">
-            <a:off x="4419600" y="4352801"/>
-            <a:ext cx="2337394" cy="193453"/>
+            <a:off x="4419600" y="4352800"/>
+            <a:ext cx="2337394" cy="295399"/>
           </a:xfrm>
           <a:custGeom>
             <a:avLst/>
@@ -5570,10 +5517,10 @@
       </p:cxnSp>
       <p:sp>
         <p:nvSpPr>
-          <p:cNvPr id="76" name="Rectangle 11">
+          <p:cNvPr id="48" name="Rectangle 47">
             <a:extLst>
               <a:ext uri="{FF2B5EF4-FFF2-40B4-BE49-F238E27FC236}">
-                <a16:creationId xmlns:a16="http://schemas.microsoft.com/office/drawing/2014/main" id="{1A8130A7-B7B6-4D69-9342-9DB283F65968}"/>
+                <a16:creationId xmlns:a16="http://schemas.microsoft.com/office/drawing/2014/main" id="{A4ED4D30-04FA-48E2-B433-E463C927A36B}"/>
               </a:ext>
             </a:extLst>
           </p:cNvPr>
@@ -5582,201 +5529,51 @@
         </p:nvSpPr>
         <p:spPr>
           <a:xfrm>
-            <a:off x="2590792" y="5001288"/>
-            <a:ext cx="1321299" cy="236841"/>
+            <a:off x="5858186" y="3419322"/>
+            <a:ext cx="229325" cy="166560"/>
           </a:xfrm>
           <a:prstGeom prst="rect">
             <a:avLst/>
           </a:prstGeom>
-          <a:ln w="19050">
-            <a:solidFill>
-              <a:schemeClr val="accent3"/>
-            </a:solidFill>
+          <a:solidFill>
+            <a:schemeClr val="accent3">
+              <a:lumMod val="20000"/>
+              <a:lumOff val="80000"/>
+              <a:alpha val="80000"/>
+            </a:schemeClr>
+          </a:solidFill>
+          <a:ln>
+            <a:noFill/>
           </a:ln>
-          <a:effectLst/>
+          <a:effectLst>
+            <a:softEdge rad="31750"/>
+          </a:effectLst>
         </p:spPr>
         <p:style>
-          <a:lnRef idx="1">
-            <a:schemeClr val="accent3"/>
+          <a:lnRef idx="2">
+            <a:schemeClr val="accent1">
+              <a:shade val="50000"/>
+            </a:schemeClr>
           </a:lnRef>
-          <a:fillRef idx="2">
-            <a:schemeClr val="accent3"/>
-          </a:fillRef>
-          <a:effectRef idx="1">
-            <a:schemeClr val="accent3"/>
-          </a:effectRef>
-          <a:fontRef idx="minor">
-            <a:schemeClr val="dk1"/>
-          </a:fontRef>
-        </p:style>
-        <p:txBody>
-          <a:bodyPr rtlCol="0" anchor="ctr"/>
-          <a:lstStyle/>
-          <a:p>
-            <a:pPr algn="ctr"/>
-            <a:r>
-              <a:rPr lang="en-US" sz="1050" b="1" dirty="0" err="1">
-                <a:solidFill>
-                  <a:schemeClr val="accent3">
-                    <a:lumMod val="75000"/>
-                  </a:schemeClr>
-                </a:solidFill>
-              </a:rPr>
-              <a:t>AddStudentWindow</a:t>
-            </a:r>
-            <a:endParaRPr lang="en-SG" sz="1050" b="1" dirty="0">
-              <a:solidFill>
-                <a:schemeClr val="accent3">
-                  <a:lumMod val="75000"/>
-                </a:schemeClr>
-              </a:solidFill>
-            </a:endParaRPr>
-          </a:p>
-        </p:txBody>
-      </p:sp>
-      <p:cxnSp>
-        <p:nvCxnSpPr>
-          <p:cNvPr id="78" name="Elbow Connector 63">
-            <a:extLst>
-              <a:ext uri="{FF2B5EF4-FFF2-40B4-BE49-F238E27FC236}">
-                <a16:creationId xmlns:a16="http://schemas.microsoft.com/office/drawing/2014/main" id="{11D82520-5308-4A27-BD9B-29A4499053A1}"/>
-              </a:ext>
-            </a:extLst>
-          </p:cNvPr>
-          <p:cNvCxnSpPr>
-            <a:cxnSpLocks/>
-            <a:endCxn id="76" idx="1"/>
-          </p:cNvCxnSpPr>
-          <p:nvPr/>
-        </p:nvCxnSpPr>
-        <p:spPr>
-          <a:xfrm rot="16200000" flipH="1">
-            <a:off x="1165948" y="3694864"/>
-            <a:ext cx="2431727" cy="417962"/>
-          </a:xfrm>
-          <a:prstGeom prst="bentConnector2">
-            <a:avLst/>
-          </a:prstGeom>
-          <a:ln w="19050">
-            <a:solidFill>
-              <a:schemeClr val="accent3"/>
-            </a:solidFill>
-            <a:headEnd type="none" w="med" len="med"/>
-            <a:tailEnd type="arrow" w="med" len="med"/>
-          </a:ln>
-          <a:effectLst/>
-        </p:spPr>
-        <p:style>
-          <a:lnRef idx="1">
-            <a:schemeClr val="accent2"/>
-          </a:lnRef>
-          <a:fillRef idx="2">
-            <a:schemeClr val="accent2"/>
-          </a:fillRef>
-          <a:effectRef idx="1">
-            <a:schemeClr val="accent2"/>
-          </a:effectRef>
-          <a:fontRef idx="minor">
-            <a:schemeClr val="dk1"/>
-          </a:fontRef>
-        </p:style>
-      </p:cxnSp>
-      <p:cxnSp>
-        <p:nvCxnSpPr>
-          <p:cNvPr id="96" name="Elbow Connector 63">
-            <a:extLst>
-              <a:ext uri="{FF2B5EF4-FFF2-40B4-BE49-F238E27FC236}">
-                <a16:creationId xmlns:a16="http://schemas.microsoft.com/office/drawing/2014/main" id="{2881B275-5FB4-4A56-BA95-9D8E2D93A7C4}"/>
-              </a:ext>
-            </a:extLst>
-          </p:cNvPr>
-          <p:cNvCxnSpPr>
-            <a:cxnSpLocks/>
-            <a:stCxn id="16" idx="3"/>
-          </p:cNvCxnSpPr>
-          <p:nvPr/>
-        </p:nvCxnSpPr>
-        <p:spPr>
-          <a:xfrm rot="5400000">
-            <a:off x="3296957" y="2895814"/>
-            <a:ext cx="2842827" cy="1623199"/>
-          </a:xfrm>
-          <a:prstGeom prst="bentConnector3">
-            <a:avLst>
-              <a:gd name="adj1" fmla="val 100034"/>
-            </a:avLst>
-          </a:prstGeom>
-          <a:ln w="6350">
-            <a:solidFill>
-              <a:schemeClr val="accent3"/>
-            </a:solidFill>
-            <a:headEnd type="none" w="med" len="med"/>
-            <a:tailEnd type="none" w="med" len="med"/>
-          </a:ln>
-          <a:effectLst/>
-        </p:spPr>
-        <p:style>
-          <a:lnRef idx="1">
-            <a:schemeClr val="accent2"/>
-          </a:lnRef>
-          <a:fillRef idx="2">
-            <a:schemeClr val="accent2"/>
-          </a:fillRef>
-          <a:effectRef idx="1">
-            <a:schemeClr val="accent2"/>
-          </a:effectRef>
-          <a:fontRef idx="minor">
-            <a:schemeClr val="dk1"/>
-          </a:fontRef>
-        </p:style>
-      </p:cxnSp>
-      <p:cxnSp>
-        <p:nvCxnSpPr>
-          <p:cNvPr id="109" name="Connector: Elbow 108">
-            <a:extLst>
-              <a:ext uri="{FF2B5EF4-FFF2-40B4-BE49-F238E27FC236}">
-                <a16:creationId xmlns:a16="http://schemas.microsoft.com/office/drawing/2014/main" id="{4F03A1D0-7F9A-4525-9714-EEF5FE0B3B33}"/>
-              </a:ext>
-            </a:extLst>
-          </p:cNvPr>
-          <p:cNvCxnSpPr>
-            <a:cxnSpLocks/>
-          </p:cNvCxnSpPr>
-          <p:nvPr/>
-        </p:nvCxnSpPr>
-        <p:spPr>
-          <a:xfrm flipV="1">
-            <a:off x="3924156" y="3232547"/>
-            <a:ext cx="2816800" cy="1816556"/>
-          </a:xfrm>
-          <a:prstGeom prst="bentConnector3">
-            <a:avLst>
-              <a:gd name="adj1" fmla="val 69838"/>
-            </a:avLst>
-          </a:prstGeom>
-          <a:ln w="19050">
-            <a:solidFill>
-              <a:schemeClr val="accent3"/>
-            </a:solidFill>
-            <a:prstDash val="solid"/>
-            <a:tailEnd type="arrow"/>
-          </a:ln>
-        </p:spPr>
-        <p:style>
-          <a:lnRef idx="1">
-            <a:schemeClr val="accent1"/>
-          </a:lnRef>
-          <a:fillRef idx="0">
+          <a:fillRef idx="1">
             <a:schemeClr val="accent1"/>
           </a:fillRef>
           <a:effectRef idx="0">
             <a:schemeClr val="accent1"/>
           </a:effectRef>
           <a:fontRef idx="minor">
-            <a:schemeClr val="tx1"/>
+            <a:schemeClr val="lt1"/>
           </a:fontRef>
         </p:style>
-      </p:cxnSp>
+        <p:txBody>
+          <a:bodyPr rtlCol="0" anchor="ctr"/>
+          <a:lstStyle/>
+          <a:p>
+            <a:pPr algn="ctr"/>
+            <a:endParaRPr lang="en-SG"/>
+          </a:p>
+        </p:txBody>
+      </p:sp>
     </p:spTree>
     <p:extLst>
       <p:ext uri="{BB962C8B-B14F-4D97-AF65-F5344CB8AC3E}">

--- a/docs/diagrams/UiComponentClassDiagram.pptx
+++ b/docs/diagrams/UiComponentClassDiagram.pptx
@@ -175,7 +175,7 @@
             </a:lvl1pPr>
           </a:lstStyle>
           <a:p>
-            <a:endParaRPr lang="en-US"/>
+            <a:endParaRPr lang="en-US" dirty="0"/>
           </a:p>
         </p:txBody>
       </p:sp>
@@ -208,9 +208,9 @@
           <a:p>
             <a:fld id="{F5CC4B3F-88C1-4FFA-B1B6-F41C21DC6924}" type="datetimeFigureOut">
               <a:rPr lang="en-US" smtClean="0"/>
-              <a:t>10/30/2018</a:t>
+              <a:t>10/31/2018</a:t>
             </a:fld>
-            <a:endParaRPr lang="en-US"/>
+            <a:endParaRPr lang="en-US" dirty="0"/>
           </a:p>
         </p:txBody>
       </p:sp>
@@ -243,7 +243,7 @@
           <a:bodyPr vert="horz" lIns="91440" tIns="45720" rIns="91440" bIns="45720" rtlCol="0" anchor="ctr"/>
           <a:lstStyle/>
           <a:p>
-            <a:endParaRPr lang="en-US"/>
+            <a:endParaRPr lang="en-US" dirty="0"/>
           </a:p>
         </p:txBody>
       </p:sp>
@@ -333,7 +333,7 @@
             </a:lvl1pPr>
           </a:lstStyle>
           <a:p>
-            <a:endParaRPr lang="en-US"/>
+            <a:endParaRPr lang="en-US" dirty="0"/>
           </a:p>
         </p:txBody>
       </p:sp>
@@ -368,7 +368,7 @@
               <a:rPr lang="en-US" smtClean="0"/>
               <a:t>‹#›</a:t>
             </a:fld>
-            <a:endParaRPr lang="en-US"/>
+            <a:endParaRPr lang="en-US" dirty="0"/>
           </a:p>
         </p:txBody>
       </p:sp>
@@ -654,9 +654,9 @@
           <a:p>
             <a:fld id="{78C97017-6FC3-485B-9764-EAC9E56C1D49}" type="datetimeFigureOut">
               <a:rPr lang="en-US" smtClean="0"/>
-              <a:t>10/30/2018</a:t>
+              <a:t>10/31/2018</a:t>
             </a:fld>
-            <a:endParaRPr lang="en-US"/>
+            <a:endParaRPr lang="en-US" dirty="0"/>
           </a:p>
         </p:txBody>
       </p:sp>
@@ -675,7 +675,7 @@
           <a:bodyPr/>
           <a:lstStyle/>
           <a:p>
-            <a:endParaRPr lang="en-US"/>
+            <a:endParaRPr lang="en-US" dirty="0"/>
           </a:p>
         </p:txBody>
       </p:sp>
@@ -698,7 +698,7 @@
               <a:rPr lang="en-US" smtClean="0"/>
               <a:t>‹#›</a:t>
             </a:fld>
-            <a:endParaRPr lang="en-US"/>
+            <a:endParaRPr lang="en-US" dirty="0"/>
           </a:p>
         </p:txBody>
       </p:sp>
@@ -822,9 +822,9 @@
           <a:p>
             <a:fld id="{78C97017-6FC3-485B-9764-EAC9E56C1D49}" type="datetimeFigureOut">
               <a:rPr lang="en-US" smtClean="0"/>
-              <a:t>10/30/2018</a:t>
+              <a:t>10/31/2018</a:t>
             </a:fld>
-            <a:endParaRPr lang="en-US"/>
+            <a:endParaRPr lang="en-US" dirty="0"/>
           </a:p>
         </p:txBody>
       </p:sp>
@@ -843,7 +843,7 @@
           <a:bodyPr/>
           <a:lstStyle/>
           <a:p>
-            <a:endParaRPr lang="en-US"/>
+            <a:endParaRPr lang="en-US" dirty="0"/>
           </a:p>
         </p:txBody>
       </p:sp>
@@ -866,7 +866,7 @@
               <a:rPr lang="en-US" smtClean="0"/>
               <a:t>‹#›</a:t>
             </a:fld>
-            <a:endParaRPr lang="en-US"/>
+            <a:endParaRPr lang="en-US" dirty="0"/>
           </a:p>
         </p:txBody>
       </p:sp>
@@ -1000,9 +1000,9 @@
           <a:p>
             <a:fld id="{78C97017-6FC3-485B-9764-EAC9E56C1D49}" type="datetimeFigureOut">
               <a:rPr lang="en-US" smtClean="0"/>
-              <a:t>10/30/2018</a:t>
+              <a:t>10/31/2018</a:t>
             </a:fld>
-            <a:endParaRPr lang="en-US"/>
+            <a:endParaRPr lang="en-US" dirty="0"/>
           </a:p>
         </p:txBody>
       </p:sp>
@@ -1021,7 +1021,7 @@
           <a:bodyPr/>
           <a:lstStyle/>
           <a:p>
-            <a:endParaRPr lang="en-US"/>
+            <a:endParaRPr lang="en-US" dirty="0"/>
           </a:p>
         </p:txBody>
       </p:sp>
@@ -1044,7 +1044,7 @@
               <a:rPr lang="en-US" smtClean="0"/>
               <a:t>‹#›</a:t>
             </a:fld>
-            <a:endParaRPr lang="en-US"/>
+            <a:endParaRPr lang="en-US" dirty="0"/>
           </a:p>
         </p:txBody>
       </p:sp>
@@ -1168,9 +1168,9 @@
           <a:p>
             <a:fld id="{78C97017-6FC3-485B-9764-EAC9E56C1D49}" type="datetimeFigureOut">
               <a:rPr lang="en-US" smtClean="0"/>
-              <a:t>10/30/2018</a:t>
+              <a:t>10/31/2018</a:t>
             </a:fld>
-            <a:endParaRPr lang="en-US"/>
+            <a:endParaRPr lang="en-US" dirty="0"/>
           </a:p>
         </p:txBody>
       </p:sp>
@@ -1189,7 +1189,7 @@
           <a:bodyPr/>
           <a:lstStyle/>
           <a:p>
-            <a:endParaRPr lang="en-US"/>
+            <a:endParaRPr lang="en-US" dirty="0"/>
           </a:p>
         </p:txBody>
       </p:sp>
@@ -1212,7 +1212,7 @@
               <a:rPr lang="en-US" smtClean="0"/>
               <a:t>‹#›</a:t>
             </a:fld>
-            <a:endParaRPr lang="en-US"/>
+            <a:endParaRPr lang="en-US" dirty="0"/>
           </a:p>
         </p:txBody>
       </p:sp>
@@ -1413,9 +1413,9 @@
           <a:p>
             <a:fld id="{78C97017-6FC3-485B-9764-EAC9E56C1D49}" type="datetimeFigureOut">
               <a:rPr lang="en-US" smtClean="0"/>
-              <a:t>10/30/2018</a:t>
+              <a:t>10/31/2018</a:t>
             </a:fld>
-            <a:endParaRPr lang="en-US"/>
+            <a:endParaRPr lang="en-US" dirty="0"/>
           </a:p>
         </p:txBody>
       </p:sp>
@@ -1434,7 +1434,7 @@
           <a:bodyPr/>
           <a:lstStyle/>
           <a:p>
-            <a:endParaRPr lang="en-US"/>
+            <a:endParaRPr lang="en-US" dirty="0"/>
           </a:p>
         </p:txBody>
       </p:sp>
@@ -1457,7 +1457,7 @@
               <a:rPr lang="en-US" smtClean="0"/>
               <a:t>‹#›</a:t>
             </a:fld>
-            <a:endParaRPr lang="en-US"/>
+            <a:endParaRPr lang="en-US" dirty="0"/>
           </a:p>
         </p:txBody>
       </p:sp>
@@ -1698,9 +1698,9 @@
           <a:p>
             <a:fld id="{78C97017-6FC3-485B-9764-EAC9E56C1D49}" type="datetimeFigureOut">
               <a:rPr lang="en-US" smtClean="0"/>
-              <a:t>10/30/2018</a:t>
+              <a:t>10/31/2018</a:t>
             </a:fld>
-            <a:endParaRPr lang="en-US"/>
+            <a:endParaRPr lang="en-US" dirty="0"/>
           </a:p>
         </p:txBody>
       </p:sp>
@@ -1719,7 +1719,7 @@
           <a:bodyPr/>
           <a:lstStyle/>
           <a:p>
-            <a:endParaRPr lang="en-US"/>
+            <a:endParaRPr lang="en-US" dirty="0"/>
           </a:p>
         </p:txBody>
       </p:sp>
@@ -1742,7 +1742,7 @@
               <a:rPr lang="en-US" smtClean="0"/>
               <a:t>‹#›</a:t>
             </a:fld>
-            <a:endParaRPr lang="en-US"/>
+            <a:endParaRPr lang="en-US" dirty="0"/>
           </a:p>
         </p:txBody>
       </p:sp>
@@ -2117,9 +2117,9 @@
           <a:p>
             <a:fld id="{78C97017-6FC3-485B-9764-EAC9E56C1D49}" type="datetimeFigureOut">
               <a:rPr lang="en-US" smtClean="0"/>
-              <a:t>10/30/2018</a:t>
+              <a:t>10/31/2018</a:t>
             </a:fld>
-            <a:endParaRPr lang="en-US"/>
+            <a:endParaRPr lang="en-US" dirty="0"/>
           </a:p>
         </p:txBody>
       </p:sp>
@@ -2138,7 +2138,7 @@
           <a:bodyPr/>
           <a:lstStyle/>
           <a:p>
-            <a:endParaRPr lang="en-US"/>
+            <a:endParaRPr lang="en-US" dirty="0"/>
           </a:p>
         </p:txBody>
       </p:sp>
@@ -2161,7 +2161,7 @@
               <a:rPr lang="en-US" smtClean="0"/>
               <a:t>‹#›</a:t>
             </a:fld>
-            <a:endParaRPr lang="en-US"/>
+            <a:endParaRPr lang="en-US" dirty="0"/>
           </a:p>
         </p:txBody>
       </p:sp>
@@ -2234,9 +2234,9 @@
           <a:p>
             <a:fld id="{78C97017-6FC3-485B-9764-EAC9E56C1D49}" type="datetimeFigureOut">
               <a:rPr lang="en-US" smtClean="0"/>
-              <a:t>10/30/2018</a:t>
+              <a:t>10/31/2018</a:t>
             </a:fld>
-            <a:endParaRPr lang="en-US"/>
+            <a:endParaRPr lang="en-US" dirty="0"/>
           </a:p>
         </p:txBody>
       </p:sp>
@@ -2255,7 +2255,7 @@
           <a:bodyPr/>
           <a:lstStyle/>
           <a:p>
-            <a:endParaRPr lang="en-US"/>
+            <a:endParaRPr lang="en-US" dirty="0"/>
           </a:p>
         </p:txBody>
       </p:sp>
@@ -2278,7 +2278,7 @@
               <a:rPr lang="en-US" smtClean="0"/>
               <a:t>‹#›</a:t>
             </a:fld>
-            <a:endParaRPr lang="en-US"/>
+            <a:endParaRPr lang="en-US" dirty="0"/>
           </a:p>
         </p:txBody>
       </p:sp>
@@ -2329,9 +2329,9 @@
           <a:p>
             <a:fld id="{78C97017-6FC3-485B-9764-EAC9E56C1D49}" type="datetimeFigureOut">
               <a:rPr lang="en-US" smtClean="0"/>
-              <a:t>10/30/2018</a:t>
+              <a:t>10/31/2018</a:t>
             </a:fld>
-            <a:endParaRPr lang="en-US"/>
+            <a:endParaRPr lang="en-US" dirty="0"/>
           </a:p>
         </p:txBody>
       </p:sp>
@@ -2350,7 +2350,7 @@
           <a:bodyPr/>
           <a:lstStyle/>
           <a:p>
-            <a:endParaRPr lang="en-US"/>
+            <a:endParaRPr lang="en-US" dirty="0"/>
           </a:p>
         </p:txBody>
       </p:sp>
@@ -2373,7 +2373,7 @@
               <a:rPr lang="en-US" smtClean="0"/>
               <a:t>‹#›</a:t>
             </a:fld>
-            <a:endParaRPr lang="en-US"/>
+            <a:endParaRPr lang="en-US" dirty="0"/>
           </a:p>
         </p:txBody>
       </p:sp>
@@ -2604,9 +2604,9 @@
           <a:p>
             <a:fld id="{78C97017-6FC3-485B-9764-EAC9E56C1D49}" type="datetimeFigureOut">
               <a:rPr lang="en-US" smtClean="0"/>
-              <a:t>10/30/2018</a:t>
+              <a:t>10/31/2018</a:t>
             </a:fld>
-            <a:endParaRPr lang="en-US"/>
+            <a:endParaRPr lang="en-US" dirty="0"/>
           </a:p>
         </p:txBody>
       </p:sp>
@@ -2625,7 +2625,7 @@
           <a:bodyPr/>
           <a:lstStyle/>
           <a:p>
-            <a:endParaRPr lang="en-US"/>
+            <a:endParaRPr lang="en-US" dirty="0"/>
           </a:p>
         </p:txBody>
       </p:sp>
@@ -2648,7 +2648,7 @@
               <a:rPr lang="en-US" smtClean="0"/>
               <a:t>‹#›</a:t>
             </a:fld>
-            <a:endParaRPr lang="en-US"/>
+            <a:endParaRPr lang="en-US" dirty="0"/>
           </a:p>
         </p:txBody>
       </p:sp>
@@ -2770,7 +2770,7 @@
             </a:lvl9pPr>
           </a:lstStyle>
           <a:p>
-            <a:endParaRPr lang="en-US"/>
+            <a:endParaRPr lang="en-US" dirty="0"/>
           </a:p>
         </p:txBody>
       </p:sp>
@@ -2856,9 +2856,9 @@
           <a:p>
             <a:fld id="{78C97017-6FC3-485B-9764-EAC9E56C1D49}" type="datetimeFigureOut">
               <a:rPr lang="en-US" smtClean="0"/>
-              <a:t>10/30/2018</a:t>
+              <a:t>10/31/2018</a:t>
             </a:fld>
-            <a:endParaRPr lang="en-US"/>
+            <a:endParaRPr lang="en-US" dirty="0"/>
           </a:p>
         </p:txBody>
       </p:sp>
@@ -2877,7 +2877,7 @@
           <a:bodyPr/>
           <a:lstStyle/>
           <a:p>
-            <a:endParaRPr lang="en-US"/>
+            <a:endParaRPr lang="en-US" dirty="0"/>
           </a:p>
         </p:txBody>
       </p:sp>
@@ -2900,7 +2900,7 @@
               <a:rPr lang="en-US" smtClean="0"/>
               <a:t>‹#›</a:t>
             </a:fld>
-            <a:endParaRPr lang="en-US"/>
+            <a:endParaRPr lang="en-US" dirty="0"/>
           </a:p>
         </p:txBody>
       </p:sp>
@@ -3067,9 +3067,9 @@
           <a:p>
             <a:fld id="{78C97017-6FC3-485B-9764-EAC9E56C1D49}" type="datetimeFigureOut">
               <a:rPr lang="en-US" smtClean="0"/>
-              <a:t>10/30/2018</a:t>
+              <a:t>10/31/2018</a:t>
             </a:fld>
-            <a:endParaRPr lang="en-US"/>
+            <a:endParaRPr lang="en-US" dirty="0"/>
           </a:p>
         </p:txBody>
       </p:sp>
@@ -3106,7 +3106,7 @@
             </a:lvl1pPr>
           </a:lstStyle>
           <a:p>
-            <a:endParaRPr lang="en-US"/>
+            <a:endParaRPr lang="en-US" dirty="0"/>
           </a:p>
         </p:txBody>
       </p:sp>
@@ -3147,7 +3147,7 @@
               <a:rPr lang="en-US" smtClean="0"/>
               <a:t>‹#›</a:t>
             </a:fld>
-            <a:endParaRPr lang="en-US"/>
+            <a:endParaRPr lang="en-US" dirty="0"/>
           </a:p>
         </p:txBody>
       </p:sp>
@@ -3545,7 +3545,7 @@
           <a:p>
             <a:pPr algn="ctr"/>
             <a:r>
-              <a:rPr lang="en-US" sz="1050" b="1" dirty="0" err="1">
+              <a:rPr lang="en-US" sz="1050" b="1" dirty="0">
                 <a:solidFill>
                   <a:schemeClr val="accent3">
                     <a:lumMod val="75000"/>
@@ -3605,7 +3605,7 @@
           <a:p>
             <a:pPr algn="ctr"/>
             <a:r>
-              <a:rPr lang="en-US" sz="1050" b="1" dirty="0" err="1">
+              <a:rPr lang="en-US" sz="1050" b="1" dirty="0">
                 <a:solidFill>
                   <a:schemeClr val="accent3">
                     <a:lumMod val="75000"/>
@@ -3668,7 +3668,7 @@
           <a:p>
             <a:pPr algn="ctr"/>
             <a:r>
-              <a:rPr lang="en-US" sz="1050" dirty="0" err="1">
+              <a:rPr lang="en-US" sz="1050" dirty="0">
                 <a:solidFill>
                   <a:schemeClr val="bg1"/>
                 </a:solidFill>
@@ -3766,7 +3766,7 @@
           <a:lstStyle/>
           <a:p>
             <a:pPr algn="ctr"/>
-            <a:endParaRPr lang="en-SG" sz="1050" b="1">
+            <a:endParaRPr lang="en-SG" sz="1050" b="1" dirty="0">
               <a:solidFill>
                 <a:srgbClr val="92D050"/>
               </a:solidFill>
@@ -3918,7 +3918,7 @@
           <a:p>
             <a:pPr algn="ctr"/>
             <a:r>
-              <a:rPr lang="en-US" sz="1050" b="1" dirty="0" err="1">
+              <a:rPr lang="en-US" sz="1050" b="1" dirty="0">
                 <a:solidFill>
                   <a:schemeClr val="accent3">
                     <a:lumMod val="75000"/>
@@ -3978,7 +3978,7 @@
           <a:p>
             <a:pPr algn="ctr"/>
             <a:r>
-              <a:rPr lang="en-US" sz="1050" b="1" dirty="0" err="1">
+              <a:rPr lang="en-US" sz="1050" b="1" dirty="0">
                 <a:solidFill>
                   <a:schemeClr val="accent3">
                     <a:lumMod val="75000"/>
@@ -4038,7 +4038,7 @@
           <a:p>
             <a:pPr algn="ctr"/>
             <a:r>
-              <a:rPr lang="en-US" sz="1050" b="1" dirty="0" err="1">
+              <a:rPr lang="en-US" sz="1050" b="1" dirty="0">
                 <a:solidFill>
                   <a:schemeClr val="accent3">
                     <a:lumMod val="75000"/>
@@ -4098,7 +4098,7 @@
           <a:p>
             <a:pPr algn="ctr"/>
             <a:r>
-              <a:rPr lang="en-US" sz="1050" b="1" dirty="0" err="1">
+              <a:rPr lang="en-US" sz="1050" b="1" dirty="0">
                 <a:solidFill>
                   <a:schemeClr val="accent3">
                     <a:lumMod val="75000"/>
@@ -4158,7 +4158,7 @@
           <a:p>
             <a:pPr algn="ctr"/>
             <a:r>
-              <a:rPr lang="en-US" sz="1050" b="1" dirty="0" err="1">
+              <a:rPr lang="en-US" sz="1050" b="1" dirty="0">
                 <a:solidFill>
                   <a:schemeClr val="accent3">
                     <a:lumMod val="75000"/>
@@ -4221,7 +4221,7 @@
           <a:lstStyle/>
           <a:p>
             <a:pPr algn="ctr"/>
-            <a:endParaRPr lang="en-SG"/>
+            <a:endParaRPr lang="en-SG" dirty="0"/>
           </a:p>
         </p:txBody>
       </p:sp>
@@ -4308,7 +4308,7 @@
           <a:p>
             <a:pPr algn="ctr"/>
             <a:r>
-              <a:rPr lang="en-US" sz="1050" b="1" dirty="0" err="1">
+              <a:rPr lang="en-US" sz="1050" b="1" dirty="0">
                 <a:solidFill>
                   <a:schemeClr val="accent3">
                     <a:lumMod val="75000"/>
@@ -4554,7 +4554,7 @@
               </a:rPr>
             </a:br>
             <a:r>
-              <a:rPr lang="en-US" sz="1050" b="1" dirty="0" err="1">
+              <a:rPr lang="en-US" sz="1050" b="1" dirty="0">
                 <a:solidFill>
                   <a:schemeClr val="accent3">
                     <a:lumMod val="75000"/>
@@ -4978,7 +4978,7 @@
           <a:p>
             <a:pPr algn="ctr"/>
             <a:r>
-              <a:rPr lang="en-US" sz="1050" dirty="0" err="1">
+              <a:rPr lang="en-US" sz="1050" dirty="0">
                 <a:solidFill>
                   <a:schemeClr val="bg1"/>
                 </a:solidFill>
@@ -5033,7 +5033,7 @@
           <a:lstStyle/>
           <a:p>
             <a:pPr algn="ctr"/>
-            <a:endParaRPr lang="en-SG" sz="1050" b="1">
+            <a:endParaRPr lang="en-SG" sz="1050" b="1" dirty="0">
               <a:solidFill>
                 <a:srgbClr val="92D050"/>
               </a:solidFill>
@@ -5300,7 +5300,7 @@
           <a:lstStyle/>
           <a:p>
             <a:pPr algn="ctr"/>
-            <a:endParaRPr lang="en-SG"/>
+            <a:endParaRPr lang="en-SG" dirty="0"/>
           </a:p>
         </p:txBody>
       </p:sp>
@@ -5382,7 +5382,7 @@
           <a:lstStyle/>
           <a:p>
             <a:pPr algn="ctr"/>
-            <a:endParaRPr lang="en-SG"/>
+            <a:endParaRPr lang="en-SG" dirty="0"/>
           </a:p>
         </p:txBody>
       </p:sp>
@@ -5464,7 +5464,7 @@
           <a:lstStyle/>
           <a:p>
             <a:pPr algn="ctr"/>
-            <a:endParaRPr lang="en-SG"/>
+            <a:endParaRPr lang="en-SG" dirty="0"/>
           </a:p>
         </p:txBody>
       </p:sp>
@@ -5570,7 +5570,7 @@
           <a:lstStyle/>
           <a:p>
             <a:pPr algn="ctr"/>
-            <a:endParaRPr lang="en-SG"/>
+            <a:endParaRPr lang="en-SG" dirty="0"/>
           </a:p>
         </p:txBody>
       </p:sp>
